--- a/Template.pptx
+++ b/Template.pptx
@@ -243,7 +243,7 @@
           <a:p>
             <a:fld id="{CEA20838-168E-4F9F-A3C7-3F1CB847789B}" type="datetimeFigureOut">
               <a:rPr lang="en-US" smtClean="0"/>
-              <a:t>10/8/2022</a:t>
+              <a:t>11/1/2022</a:t>
             </a:fld>
             <a:endParaRPr lang="en-US"/>
           </a:p>
@@ -413,7 +413,7 @@
           <a:p>
             <a:fld id="{CEA20838-168E-4F9F-A3C7-3F1CB847789B}" type="datetimeFigureOut">
               <a:rPr lang="en-US" smtClean="0"/>
-              <a:t>10/8/2022</a:t>
+              <a:t>11/1/2022</a:t>
             </a:fld>
             <a:endParaRPr lang="en-US"/>
           </a:p>
@@ -593,7 +593,7 @@
           <a:p>
             <a:fld id="{CEA20838-168E-4F9F-A3C7-3F1CB847789B}" type="datetimeFigureOut">
               <a:rPr lang="en-US" smtClean="0"/>
-              <a:t>10/8/2022</a:t>
+              <a:t>11/1/2022</a:t>
             </a:fld>
             <a:endParaRPr lang="en-US"/>
           </a:p>
@@ -763,7 +763,7 @@
           <a:p>
             <a:fld id="{CEA20838-168E-4F9F-A3C7-3F1CB847789B}" type="datetimeFigureOut">
               <a:rPr lang="en-US" smtClean="0"/>
-              <a:t>10/8/2022</a:t>
+              <a:t>11/1/2022</a:t>
             </a:fld>
             <a:endParaRPr lang="en-US"/>
           </a:p>
@@ -1007,7 +1007,7 @@
           <a:p>
             <a:fld id="{CEA20838-168E-4F9F-A3C7-3F1CB847789B}" type="datetimeFigureOut">
               <a:rPr lang="en-US" smtClean="0"/>
-              <a:t>10/8/2022</a:t>
+              <a:t>11/1/2022</a:t>
             </a:fld>
             <a:endParaRPr lang="en-US"/>
           </a:p>
@@ -1239,7 +1239,7 @@
           <a:p>
             <a:fld id="{CEA20838-168E-4F9F-A3C7-3F1CB847789B}" type="datetimeFigureOut">
               <a:rPr lang="en-US" smtClean="0"/>
-              <a:t>10/8/2022</a:t>
+              <a:t>11/1/2022</a:t>
             </a:fld>
             <a:endParaRPr lang="en-US"/>
           </a:p>
@@ -1606,7 +1606,7 @@
           <a:p>
             <a:fld id="{CEA20838-168E-4F9F-A3C7-3F1CB847789B}" type="datetimeFigureOut">
               <a:rPr lang="en-US" smtClean="0"/>
-              <a:t>10/8/2022</a:t>
+              <a:t>11/1/2022</a:t>
             </a:fld>
             <a:endParaRPr lang="en-US"/>
           </a:p>
@@ -1724,7 +1724,7 @@
           <a:p>
             <a:fld id="{CEA20838-168E-4F9F-A3C7-3F1CB847789B}" type="datetimeFigureOut">
               <a:rPr lang="en-US" smtClean="0"/>
-              <a:t>10/8/2022</a:t>
+              <a:t>11/1/2022</a:t>
             </a:fld>
             <a:endParaRPr lang="en-US"/>
           </a:p>
@@ -1819,7 +1819,7 @@
           <a:p>
             <a:fld id="{CEA20838-168E-4F9F-A3C7-3F1CB847789B}" type="datetimeFigureOut">
               <a:rPr lang="en-US" smtClean="0"/>
-              <a:t>10/8/2022</a:t>
+              <a:t>11/1/2022</a:t>
             </a:fld>
             <a:endParaRPr lang="en-US"/>
           </a:p>
@@ -2096,7 +2096,7 @@
           <a:p>
             <a:fld id="{CEA20838-168E-4F9F-A3C7-3F1CB847789B}" type="datetimeFigureOut">
               <a:rPr lang="en-US" smtClean="0"/>
-              <a:t>10/8/2022</a:t>
+              <a:t>11/1/2022</a:t>
             </a:fld>
             <a:endParaRPr lang="en-US"/>
           </a:p>
@@ -2353,7 +2353,7 @@
           <a:p>
             <a:fld id="{CEA20838-168E-4F9F-A3C7-3F1CB847789B}" type="datetimeFigureOut">
               <a:rPr lang="en-US" smtClean="0"/>
-              <a:t>10/8/2022</a:t>
+              <a:t>11/1/2022</a:t>
             </a:fld>
             <a:endParaRPr lang="en-US"/>
           </a:p>
@@ -2566,7 +2566,7 @@
           <a:p>
             <a:fld id="{CEA20838-168E-4F9F-A3C7-3F1CB847789B}" type="datetimeFigureOut">
               <a:rPr lang="en-US" smtClean="0"/>
-              <a:t>10/8/2022</a:t>
+              <a:t>11/1/2022</a:t>
             </a:fld>
             <a:endParaRPr lang="en-US"/>
           </a:p>
@@ -3124,8 +3124,8 @@
         </p:blipFill>
         <p:spPr>
           <a:xfrm>
-            <a:off x="0" y="6773263"/>
-            <a:ext cx="1367002" cy="999137"/>
+            <a:off x="0" y="7180118"/>
+            <a:ext cx="810350" cy="592282"/>
           </a:xfrm>
           <a:prstGeom prst="rect">
             <a:avLst/>
@@ -3134,49 +3134,32 @@
       </p:pic>
       <p:pic>
         <p:nvPicPr>
-          <p:cNvPr id="18" name="Picture 2" descr="Oregon State Beavers Secondary Logo - NCAA Division I (n-r) (NCAA n-r) -  Chris Creamer's Sports Logos Page - SportsLogos.Net">
+          <p:cNvPr id="4" name="Picture 3">
             <a:extLst>
               <a:ext uri="{FF2B5EF4-FFF2-40B4-BE49-F238E27FC236}">
-                <a16:creationId xmlns:a16="http://schemas.microsoft.com/office/drawing/2014/main" id="{F424DBFF-E800-9A36-CC75-260930A08B08}"/>
+                <a16:creationId xmlns:a16="http://schemas.microsoft.com/office/drawing/2014/main" id="{F546932E-3795-38A0-E1E1-5E4FB55E65FA}"/>
               </a:ext>
             </a:extLst>
           </p:cNvPr>
           <p:cNvPicPr>
-            <a:picLocks noChangeAspect="1" noChangeArrowheads="1"/>
+            <a:picLocks noChangeAspect="1"/>
           </p:cNvPicPr>
           <p:nvPr/>
         </p:nvPicPr>
         <p:blipFill>
-          <a:blip r:embed="rId4">
-            <a:extLst>
-              <a:ext uri="{28A0092B-C50C-407E-A947-70E740481C1C}">
-                <a14:useLocalDpi xmlns:a14="http://schemas.microsoft.com/office/drawing/2010/main" val="0"/>
-              </a:ext>
-            </a:extLst>
-          </a:blip>
-          <a:srcRect/>
+          <a:blip r:embed="rId4"/>
           <a:stretch>
             <a:fillRect/>
           </a:stretch>
         </p:blipFill>
-        <p:spPr bwMode="auto">
+        <p:spPr>
           <a:xfrm>
-            <a:off x="9089031" y="6773263"/>
-            <a:ext cx="829791" cy="874446"/>
+            <a:off x="9103488" y="3491885"/>
+            <a:ext cx="679041" cy="3984374"/>
           </a:xfrm>
           <a:prstGeom prst="rect">
             <a:avLst/>
           </a:prstGeom>
-          <a:noFill/>
-          <a:extLst>
-            <a:ext uri="{909E8E84-426E-40DD-AFC4-6F175D3DCCD1}">
-              <a14:hiddenFill xmlns:a14="http://schemas.microsoft.com/office/drawing/2010/main">
-                <a:solidFill>
-                  <a:srgbClr val="FFFFFF"/>
-                </a:solidFill>
-              </a14:hiddenFill>
-            </a:ext>
-          </a:extLst>
         </p:spPr>
       </p:pic>
     </p:spTree>

--- a/Template.pptx
+++ b/Template.pptx
@@ -243,7 +243,7 @@
           <a:p>
             <a:fld id="{CEA20838-168E-4F9F-A3C7-3F1CB847789B}" type="datetimeFigureOut">
               <a:rPr lang="en-US" smtClean="0"/>
-              <a:t>11/1/2022</a:t>
+              <a:t>11/2/2022</a:t>
             </a:fld>
             <a:endParaRPr lang="en-US"/>
           </a:p>
@@ -413,7 +413,7 @@
           <a:p>
             <a:fld id="{CEA20838-168E-4F9F-A3C7-3F1CB847789B}" type="datetimeFigureOut">
               <a:rPr lang="en-US" smtClean="0"/>
-              <a:t>11/1/2022</a:t>
+              <a:t>11/2/2022</a:t>
             </a:fld>
             <a:endParaRPr lang="en-US"/>
           </a:p>
@@ -593,7 +593,7 @@
           <a:p>
             <a:fld id="{CEA20838-168E-4F9F-A3C7-3F1CB847789B}" type="datetimeFigureOut">
               <a:rPr lang="en-US" smtClean="0"/>
-              <a:t>11/1/2022</a:t>
+              <a:t>11/2/2022</a:t>
             </a:fld>
             <a:endParaRPr lang="en-US"/>
           </a:p>
@@ -763,7 +763,7 @@
           <a:p>
             <a:fld id="{CEA20838-168E-4F9F-A3C7-3F1CB847789B}" type="datetimeFigureOut">
               <a:rPr lang="en-US" smtClean="0"/>
-              <a:t>11/1/2022</a:t>
+              <a:t>11/2/2022</a:t>
             </a:fld>
             <a:endParaRPr lang="en-US"/>
           </a:p>
@@ -1007,7 +1007,7 @@
           <a:p>
             <a:fld id="{CEA20838-168E-4F9F-A3C7-3F1CB847789B}" type="datetimeFigureOut">
               <a:rPr lang="en-US" smtClean="0"/>
-              <a:t>11/1/2022</a:t>
+              <a:t>11/2/2022</a:t>
             </a:fld>
             <a:endParaRPr lang="en-US"/>
           </a:p>
@@ -1239,7 +1239,7 @@
           <a:p>
             <a:fld id="{CEA20838-168E-4F9F-A3C7-3F1CB847789B}" type="datetimeFigureOut">
               <a:rPr lang="en-US" smtClean="0"/>
-              <a:t>11/1/2022</a:t>
+              <a:t>11/2/2022</a:t>
             </a:fld>
             <a:endParaRPr lang="en-US"/>
           </a:p>
@@ -1606,7 +1606,7 @@
           <a:p>
             <a:fld id="{CEA20838-168E-4F9F-A3C7-3F1CB847789B}" type="datetimeFigureOut">
               <a:rPr lang="en-US" smtClean="0"/>
-              <a:t>11/1/2022</a:t>
+              <a:t>11/2/2022</a:t>
             </a:fld>
             <a:endParaRPr lang="en-US"/>
           </a:p>
@@ -1724,7 +1724,7 @@
           <a:p>
             <a:fld id="{CEA20838-168E-4F9F-A3C7-3F1CB847789B}" type="datetimeFigureOut">
               <a:rPr lang="en-US" smtClean="0"/>
-              <a:t>11/1/2022</a:t>
+              <a:t>11/2/2022</a:t>
             </a:fld>
             <a:endParaRPr lang="en-US"/>
           </a:p>
@@ -1819,7 +1819,7 @@
           <a:p>
             <a:fld id="{CEA20838-168E-4F9F-A3C7-3F1CB847789B}" type="datetimeFigureOut">
               <a:rPr lang="en-US" smtClean="0"/>
-              <a:t>11/1/2022</a:t>
+              <a:t>11/2/2022</a:t>
             </a:fld>
             <a:endParaRPr lang="en-US"/>
           </a:p>
@@ -2096,7 +2096,7 @@
           <a:p>
             <a:fld id="{CEA20838-168E-4F9F-A3C7-3F1CB847789B}" type="datetimeFigureOut">
               <a:rPr lang="en-US" smtClean="0"/>
-              <a:t>11/1/2022</a:t>
+              <a:t>11/2/2022</a:t>
             </a:fld>
             <a:endParaRPr lang="en-US"/>
           </a:p>
@@ -2353,7 +2353,7 @@
           <a:p>
             <a:fld id="{CEA20838-168E-4F9F-A3C7-3F1CB847789B}" type="datetimeFigureOut">
               <a:rPr lang="en-US" smtClean="0"/>
-              <a:t>11/1/2022</a:t>
+              <a:t>11/2/2022</a:t>
             </a:fld>
             <a:endParaRPr lang="en-US"/>
           </a:p>
@@ -2566,7 +2566,7 @@
           <a:p>
             <a:fld id="{CEA20838-168E-4F9F-A3C7-3F1CB847789B}" type="datetimeFigureOut">
               <a:rPr lang="en-US" smtClean="0"/>
-              <a:t>11/1/2022</a:t>
+              <a:t>11/2/2022</a:t>
             </a:fld>
             <a:endParaRPr lang="en-US"/>
           </a:p>
@@ -3086,7 +3086,7 @@
               <a:rPr lang="en-US" sz="2500" b="1" dirty="0">
                 <a:latin typeface="Beaver Bold" pitchFamily="50" charset="0"/>
               </a:rPr>
-              <a:t>October 7</a:t>
+              <a:t>Fall 2022</a:t>
             </a:r>
           </a:p>
         </p:txBody>
@@ -3134,10 +3134,10 @@
       </p:pic>
       <p:pic>
         <p:nvPicPr>
-          <p:cNvPr id="4" name="Picture 3">
+          <p:cNvPr id="7" name="Picture 6">
             <a:extLst>
               <a:ext uri="{FF2B5EF4-FFF2-40B4-BE49-F238E27FC236}">
-                <a16:creationId xmlns:a16="http://schemas.microsoft.com/office/drawing/2014/main" id="{F546932E-3795-38A0-E1E1-5E4FB55E65FA}"/>
+                <a16:creationId xmlns:a16="http://schemas.microsoft.com/office/drawing/2014/main" id="{656B6E21-78B3-9186-3638-FA157CF4A017}"/>
               </a:ext>
             </a:extLst>
           </p:cNvPr>
@@ -3154,14 +3154,249 @@
         </p:blipFill>
         <p:spPr>
           <a:xfrm>
-            <a:off x="9103488" y="3491885"/>
-            <a:ext cx="679041" cy="3984374"/>
+            <a:off x="9136213" y="3382780"/>
+            <a:ext cx="631936" cy="3707976"/>
           </a:xfrm>
           <a:prstGeom prst="rect">
             <a:avLst/>
           </a:prstGeom>
         </p:spPr>
       </p:pic>
+      <p:sp>
+        <p:nvSpPr>
+          <p:cNvPr id="8" name="TextBox 7">
+            <a:extLst>
+              <a:ext uri="{FF2B5EF4-FFF2-40B4-BE49-F238E27FC236}">
+                <a16:creationId xmlns:a16="http://schemas.microsoft.com/office/drawing/2014/main" id="{DBB78E3B-F86A-9D3E-0473-8802D8EFB0C5}"/>
+              </a:ext>
+            </a:extLst>
+          </p:cNvPr>
+          <p:cNvSpPr txBox="1"/>
+          <p:nvPr/>
+        </p:nvSpPr>
+        <p:spPr>
+          <a:xfrm>
+            <a:off x="202109" y="2880360"/>
+            <a:ext cx="3436262" cy="477054"/>
+          </a:xfrm>
+          <a:prstGeom prst="rect">
+            <a:avLst/>
+          </a:prstGeom>
+          <a:noFill/>
+        </p:spPr>
+        <p:txBody>
+          <a:bodyPr wrap="square" rtlCol="0">
+            <a:spAutoFit/>
+          </a:bodyPr>
+          <a:lstStyle/>
+          <a:p>
+            <a:pPr algn="ctr"/>
+            <a:r>
+              <a:rPr lang="en-US" sz="2500" b="1" dirty="0">
+                <a:latin typeface="Beaver Bold" pitchFamily="50" charset="0"/>
+              </a:rPr>
+              <a:t>Swing Density Plot</a:t>
+            </a:r>
+          </a:p>
+        </p:txBody>
+      </p:sp>
+      <p:sp>
+        <p:nvSpPr>
+          <p:cNvPr id="10" name="TextBox 9">
+            <a:extLst>
+              <a:ext uri="{FF2B5EF4-FFF2-40B4-BE49-F238E27FC236}">
+                <a16:creationId xmlns:a16="http://schemas.microsoft.com/office/drawing/2014/main" id="{57FF5612-9567-3124-C6BB-A423C3B53CA0}"/>
+              </a:ext>
+            </a:extLst>
+          </p:cNvPr>
+          <p:cNvSpPr txBox="1"/>
+          <p:nvPr/>
+        </p:nvSpPr>
+        <p:spPr>
+          <a:xfrm>
+            <a:off x="4353868" y="2880360"/>
+            <a:ext cx="4876422" cy="477054"/>
+          </a:xfrm>
+          <a:prstGeom prst="rect">
+            <a:avLst/>
+          </a:prstGeom>
+          <a:noFill/>
+        </p:spPr>
+        <p:txBody>
+          <a:bodyPr wrap="square" rtlCol="0">
+            <a:spAutoFit/>
+          </a:bodyPr>
+          <a:lstStyle/>
+          <a:p>
+            <a:pPr algn="ctr"/>
+            <a:r>
+              <a:rPr lang="en-US" sz="2500" b="1" dirty="0">
+                <a:latin typeface="Beaver Bold" pitchFamily="50" charset="0"/>
+              </a:rPr>
+              <a:t>EV Heat Maps</a:t>
+            </a:r>
+          </a:p>
+        </p:txBody>
+      </p:sp>
+      <p:sp>
+        <p:nvSpPr>
+          <p:cNvPr id="11" name="TextBox 10">
+            <a:extLst>
+              <a:ext uri="{FF2B5EF4-FFF2-40B4-BE49-F238E27FC236}">
+                <a16:creationId xmlns:a16="http://schemas.microsoft.com/office/drawing/2014/main" id="{222624C7-9190-78F6-2350-8151C175F52C}"/>
+              </a:ext>
+            </a:extLst>
+          </p:cNvPr>
+          <p:cNvSpPr txBox="1"/>
+          <p:nvPr/>
+        </p:nvSpPr>
+        <p:spPr>
+          <a:xfrm>
+            <a:off x="2946648" y="6995160"/>
+            <a:ext cx="4876422" cy="338554"/>
+          </a:xfrm>
+          <a:prstGeom prst="rect">
+            <a:avLst/>
+          </a:prstGeom>
+          <a:noFill/>
+        </p:spPr>
+        <p:txBody>
+          <a:bodyPr wrap="square" rtlCol="0">
+            <a:spAutoFit/>
+          </a:bodyPr>
+          <a:lstStyle/>
+          <a:p>
+            <a:pPr algn="ctr"/>
+            <a:r>
+              <a:rPr lang="en-US" sz="1600" b="1" dirty="0">
+                <a:latin typeface="Beaver Bold" pitchFamily="50" charset="0"/>
+              </a:rPr>
+              <a:t>Catcher View</a:t>
+            </a:r>
+          </a:p>
+        </p:txBody>
+      </p:sp>
+      <p:sp>
+        <p:nvSpPr>
+          <p:cNvPr id="12" name="TextBox 11">
+            <a:extLst>
+              <a:ext uri="{FF2B5EF4-FFF2-40B4-BE49-F238E27FC236}">
+                <a16:creationId xmlns:a16="http://schemas.microsoft.com/office/drawing/2014/main" id="{23455D1D-F8F1-2168-B642-6CE1911A47F2}"/>
+              </a:ext>
+            </a:extLst>
+          </p:cNvPr>
+          <p:cNvSpPr txBox="1"/>
+          <p:nvPr/>
+        </p:nvSpPr>
+        <p:spPr>
+          <a:xfrm>
+            <a:off x="5590599" y="6996310"/>
+            <a:ext cx="4876422" cy="338554"/>
+          </a:xfrm>
+          <a:prstGeom prst="rect">
+            <a:avLst/>
+          </a:prstGeom>
+          <a:noFill/>
+        </p:spPr>
+        <p:txBody>
+          <a:bodyPr wrap="square" rtlCol="0">
+            <a:spAutoFit/>
+          </a:bodyPr>
+          <a:lstStyle/>
+          <a:p>
+            <a:pPr algn="ctr"/>
+            <a:r>
+              <a:rPr lang="en-US" sz="1600" b="1" dirty="0">
+                <a:latin typeface="Beaver Bold" pitchFamily="50" charset="0"/>
+              </a:rPr>
+              <a:t>overhead</a:t>
+            </a:r>
+          </a:p>
+        </p:txBody>
+      </p:sp>
+      <p:sp>
+        <p:nvSpPr>
+          <p:cNvPr id="14" name="TextBox 13">
+            <a:extLst>
+              <a:ext uri="{FF2B5EF4-FFF2-40B4-BE49-F238E27FC236}">
+                <a16:creationId xmlns:a16="http://schemas.microsoft.com/office/drawing/2014/main" id="{2FCFD4AD-CA92-45E9-3AFE-4069D6AED9FE}"/>
+              </a:ext>
+            </a:extLst>
+          </p:cNvPr>
+          <p:cNvSpPr txBox="1"/>
+          <p:nvPr/>
+        </p:nvSpPr>
+        <p:spPr>
+          <a:xfrm>
+            <a:off x="710241" y="7351509"/>
+            <a:ext cx="2819529" cy="400110"/>
+          </a:xfrm>
+          <a:prstGeom prst="rect">
+            <a:avLst/>
+          </a:prstGeom>
+          <a:noFill/>
+        </p:spPr>
+        <p:txBody>
+          <a:bodyPr wrap="square" rtlCol="0">
+            <a:spAutoFit/>
+          </a:bodyPr>
+          <a:lstStyle/>
+          <a:p>
+            <a:r>
+              <a:rPr lang="en-US" sz="1000" dirty="0">
+                <a:latin typeface="Beaver Bold" pitchFamily="50" charset="0"/>
+                <a:cs typeface="Times New Roman" panose="02020603050405020304" pitchFamily="18" charset="0"/>
+              </a:rPr>
+              <a:t>Data is from scrimmages and lives during Fall 2022, Medford not included </a:t>
+            </a:r>
+          </a:p>
+        </p:txBody>
+      </p:sp>
+      <p:sp>
+        <p:nvSpPr>
+          <p:cNvPr id="15" name="TextBox 14">
+            <a:extLst>
+              <a:ext uri="{FF2B5EF4-FFF2-40B4-BE49-F238E27FC236}">
+                <a16:creationId xmlns:a16="http://schemas.microsoft.com/office/drawing/2014/main" id="{94532977-962E-37D1-7C24-B494C2D62CE1}"/>
+              </a:ext>
+            </a:extLst>
+          </p:cNvPr>
+          <p:cNvSpPr txBox="1"/>
+          <p:nvPr/>
+        </p:nvSpPr>
+        <p:spPr>
+          <a:xfrm>
+            <a:off x="8140146" y="2866775"/>
+            <a:ext cx="2180287" cy="230832"/>
+          </a:xfrm>
+          <a:prstGeom prst="rect">
+            <a:avLst/>
+          </a:prstGeom>
+          <a:noFill/>
+        </p:spPr>
+        <p:txBody>
+          <a:bodyPr wrap="square" rtlCol="0">
+            <a:spAutoFit/>
+          </a:bodyPr>
+          <a:lstStyle/>
+          <a:p>
+            <a:r>
+              <a:rPr lang="en-US" sz="900" b="1" dirty="0">
+                <a:latin typeface="Times New Roman" panose="02020603050405020304" pitchFamily="18" charset="0"/>
+                <a:cs typeface="Times New Roman" panose="02020603050405020304" pitchFamily="18" charset="0"/>
+              </a:rPr>
+              <a:t>*</a:t>
+            </a:r>
+            <a:r>
+              <a:rPr lang="en-US" sz="900" dirty="0">
+                <a:latin typeface="Beaver Bold" pitchFamily="50" charset="0"/>
+                <a:cs typeface="Times New Roman" panose="02020603050405020304" pitchFamily="18" charset="0"/>
+              </a:rPr>
+              <a:t>RBIs only from scrimmages</a:t>
+            </a:r>
+          </a:p>
+        </p:txBody>
+      </p:sp>
     </p:spTree>
     <p:extLst>
       <p:ext uri="{BB962C8B-B14F-4D97-AF65-F5344CB8AC3E}">

--- a/Template.pptx
+++ b/Template.pptx
@@ -243,7 +243,7 @@
           <a:p>
             <a:fld id="{CEA20838-168E-4F9F-A3C7-3F1CB847789B}" type="datetimeFigureOut">
               <a:rPr lang="en-US" smtClean="0"/>
-              <a:t>6/8/2023</a:t>
+              <a:t>3/24/2024</a:t>
             </a:fld>
             <a:endParaRPr lang="en-US"/>
           </a:p>
@@ -413,7 +413,7 @@
           <a:p>
             <a:fld id="{CEA20838-168E-4F9F-A3C7-3F1CB847789B}" type="datetimeFigureOut">
               <a:rPr lang="en-US" smtClean="0"/>
-              <a:t>6/8/2023</a:t>
+              <a:t>3/24/2024</a:t>
             </a:fld>
             <a:endParaRPr lang="en-US"/>
           </a:p>
@@ -593,7 +593,7 @@
           <a:p>
             <a:fld id="{CEA20838-168E-4F9F-A3C7-3F1CB847789B}" type="datetimeFigureOut">
               <a:rPr lang="en-US" smtClean="0"/>
-              <a:t>6/8/2023</a:t>
+              <a:t>3/24/2024</a:t>
             </a:fld>
             <a:endParaRPr lang="en-US"/>
           </a:p>
@@ -763,7 +763,7 @@
           <a:p>
             <a:fld id="{CEA20838-168E-4F9F-A3C7-3F1CB847789B}" type="datetimeFigureOut">
               <a:rPr lang="en-US" smtClean="0"/>
-              <a:t>6/8/2023</a:t>
+              <a:t>3/24/2024</a:t>
             </a:fld>
             <a:endParaRPr lang="en-US"/>
           </a:p>
@@ -1007,7 +1007,7 @@
           <a:p>
             <a:fld id="{CEA20838-168E-4F9F-A3C7-3F1CB847789B}" type="datetimeFigureOut">
               <a:rPr lang="en-US" smtClean="0"/>
-              <a:t>6/8/2023</a:t>
+              <a:t>3/24/2024</a:t>
             </a:fld>
             <a:endParaRPr lang="en-US"/>
           </a:p>
@@ -1239,7 +1239,7 @@
           <a:p>
             <a:fld id="{CEA20838-168E-4F9F-A3C7-3F1CB847789B}" type="datetimeFigureOut">
               <a:rPr lang="en-US" smtClean="0"/>
-              <a:t>6/8/2023</a:t>
+              <a:t>3/24/2024</a:t>
             </a:fld>
             <a:endParaRPr lang="en-US"/>
           </a:p>
@@ -1606,7 +1606,7 @@
           <a:p>
             <a:fld id="{CEA20838-168E-4F9F-A3C7-3F1CB847789B}" type="datetimeFigureOut">
               <a:rPr lang="en-US" smtClean="0"/>
-              <a:t>6/8/2023</a:t>
+              <a:t>3/24/2024</a:t>
             </a:fld>
             <a:endParaRPr lang="en-US"/>
           </a:p>
@@ -1724,7 +1724,7 @@
           <a:p>
             <a:fld id="{CEA20838-168E-4F9F-A3C7-3F1CB847789B}" type="datetimeFigureOut">
               <a:rPr lang="en-US" smtClean="0"/>
-              <a:t>6/8/2023</a:t>
+              <a:t>3/24/2024</a:t>
             </a:fld>
             <a:endParaRPr lang="en-US"/>
           </a:p>
@@ -1819,7 +1819,7 @@
           <a:p>
             <a:fld id="{CEA20838-168E-4F9F-A3C7-3F1CB847789B}" type="datetimeFigureOut">
               <a:rPr lang="en-US" smtClean="0"/>
-              <a:t>6/8/2023</a:t>
+              <a:t>3/24/2024</a:t>
             </a:fld>
             <a:endParaRPr lang="en-US"/>
           </a:p>
@@ -2096,7 +2096,7 @@
           <a:p>
             <a:fld id="{CEA20838-168E-4F9F-A3C7-3F1CB847789B}" type="datetimeFigureOut">
               <a:rPr lang="en-US" smtClean="0"/>
-              <a:t>6/8/2023</a:t>
+              <a:t>3/24/2024</a:t>
             </a:fld>
             <a:endParaRPr lang="en-US"/>
           </a:p>
@@ -2353,7 +2353,7 @@
           <a:p>
             <a:fld id="{CEA20838-168E-4F9F-A3C7-3F1CB847789B}" type="datetimeFigureOut">
               <a:rPr lang="en-US" smtClean="0"/>
-              <a:t>6/8/2023</a:t>
+              <a:t>3/24/2024</a:t>
             </a:fld>
             <a:endParaRPr lang="en-US"/>
           </a:p>
@@ -2566,7 +2566,7 @@
           <a:p>
             <a:fld id="{CEA20838-168E-4F9F-A3C7-3F1CB847789B}" type="datetimeFigureOut">
               <a:rPr lang="en-US" smtClean="0"/>
-              <a:t>6/8/2023</a:t>
+              <a:t>3/24/2024</a:t>
             </a:fld>
             <a:endParaRPr lang="en-US"/>
           </a:p>
@@ -3134,72 +3134,6 @@
       </p:pic>
       <p:sp>
         <p:nvSpPr>
-          <p:cNvPr id="14" name="TextBox 13">
-            <a:extLst>
-              <a:ext uri="{FF2B5EF4-FFF2-40B4-BE49-F238E27FC236}">
-                <a16:creationId xmlns:a16="http://schemas.microsoft.com/office/drawing/2014/main" id="{2FCFD4AD-CA92-45E9-3AFE-4069D6AED9FE}"/>
-              </a:ext>
-            </a:extLst>
-          </p:cNvPr>
-          <p:cNvSpPr txBox="1"/>
-          <p:nvPr/>
-        </p:nvSpPr>
-        <p:spPr>
-          <a:xfrm>
-            <a:off x="699851" y="7387250"/>
-            <a:ext cx="2819529" cy="400110"/>
-          </a:xfrm>
-          <a:prstGeom prst="rect">
-            <a:avLst/>
-          </a:prstGeom>
-          <a:noFill/>
-        </p:spPr>
-        <p:txBody>
-          <a:bodyPr wrap="square" rtlCol="0">
-            <a:spAutoFit/>
-          </a:bodyPr>
-          <a:lstStyle/>
-          <a:p>
-            <a:r>
-              <a:rPr lang="en-US" sz="1000" dirty="0">
-                <a:latin typeface="Beaver Bold" pitchFamily="50" charset="0"/>
-                <a:cs typeface="Times New Roman" panose="02020603050405020304" pitchFamily="18" charset="0"/>
-              </a:rPr>
-              <a:t>Charts and top table Does not include </a:t>
-            </a:r>
-            <a:r>
-              <a:rPr lang="en-US" sz="1000" dirty="0">
-                <a:latin typeface="Avenir Next LT Pro Demi" panose="020B0704020202020204" pitchFamily="34" charset="0"/>
-                <a:cs typeface="Times New Roman" panose="02020603050405020304" pitchFamily="18" charset="0"/>
-              </a:rPr>
-              <a:t>@</a:t>
-            </a:r>
-            <a:r>
-              <a:rPr lang="en-US" sz="1000" dirty="0">
-                <a:latin typeface="Beaver Bold" pitchFamily="50" charset="0"/>
-                <a:cs typeface="Times New Roman" panose="02020603050405020304" pitchFamily="18" charset="0"/>
-              </a:rPr>
-              <a:t> ASU </a:t>
-            </a:r>
-            <a:r>
-              <a:rPr lang="en-US" sz="1000" dirty="0">
-                <a:latin typeface="Avenir Next LT Pro Demi" panose="020B0704020202020204" pitchFamily="34" charset="0"/>
-                <a:cs typeface="Times New Roman" panose="02020603050405020304" pitchFamily="18" charset="0"/>
-              </a:rPr>
-              <a:t>@</a:t>
-            </a:r>
-            <a:r>
-              <a:rPr lang="en-US" sz="1000" dirty="0">
-                <a:latin typeface="Beaver Bold" pitchFamily="50" charset="0"/>
-                <a:cs typeface="Times New Roman" panose="02020603050405020304" pitchFamily="18" charset="0"/>
-              </a:rPr>
-              <a:t> GCU and Regionals</a:t>
-            </a:r>
-          </a:p>
-        </p:txBody>
-      </p:sp>
-      <p:sp>
-        <p:nvSpPr>
           <p:cNvPr id="4" name="TextBox 3">
             <a:extLst>
               <a:ext uri="{FF2B5EF4-FFF2-40B4-BE49-F238E27FC236}">
